--- a/시스템프로그래밍＿2021563060정미주.pptx
+++ b/시스템프로그래밍＿2021563060정미주.pptx
@@ -119,6 +119,11 @@
       </a:defRPr>
     </a:lvl9pPr>
   </p:defaultTextStyle>
+  <p:extLst>
+    <p:ext uri="{EFAFB233-063F-42B5-8137-9DF3F51BA10A}">
+      <p15:sldGuideLst xmlns:p15="http://schemas.microsoft.com/office/powerpoint/2012/main"/>
+    </p:ext>
+  </p:extLst>
 </p:presentation>
 </file>
 
@@ -4299,8 +4304,8 @@
         </p:nvSpPr>
         <p:spPr>
           <a:xfrm>
-            <a:off x="838200" y="1948267"/>
-            <a:ext cx="6195927" cy="3139321"/>
+            <a:off x="843023" y="1971417"/>
+            <a:ext cx="10662212" cy="2308324"/>
           </a:xfrm>
           <a:prstGeom prst="rect">
             <a:avLst/>
@@ -4308,120 +4313,120 @@
           <a:noFill/>
         </p:spPr>
         <p:txBody>
-          <a:bodyPr wrap="none" rtlCol="0">
+          <a:bodyPr wrap="square" rtlCol="0">
             <a:spAutoFit/>
           </a:bodyPr>
           <a:lstStyle/>
           <a:p>
             <a:r>
-              <a:rPr lang="ko-KR" altLang="en-US" dirty="0" err="1">
+              <a:rPr lang="ko-KR" altLang="en-US" b="1" dirty="0" err="1">
                 <a:ea typeface="KoPub돋움체 Light" panose="02020603020101020101" pitchFamily="18" charset="-127"/>
               </a:rPr>
               <a:t>깃허브</a:t>
             </a:r>
             <a:r>
+              <a:rPr lang="ko-KR" altLang="en-US" b="1" dirty="0">
+                <a:ea typeface="KoPub돋움체 Light" panose="02020603020101020101" pitchFamily="18" charset="-127"/>
+              </a:rPr>
+              <a:t>：</a:t>
+            </a:r>
+            <a:endParaRPr lang="en-US" altLang="ko-KR" b="1" dirty="0">
+              <a:ea typeface="KoPub돋움체 Light" panose="02020603020101020101" pitchFamily="18" charset="-127"/>
+            </a:endParaRPr>
+          </a:p>
+          <a:p>
+            <a:r>
               <a:rPr lang="ko-KR" altLang="en-US" dirty="0">
                 <a:ea typeface="KoPub돋움체 Light" panose="02020603020101020101" pitchFamily="18" charset="-127"/>
               </a:rPr>
-              <a:t>：</a:t>
+              <a:t>０３０７／０３１４／０３２１／０３２８／０４１１／０４１８／０５０２　＝＞ 지각 제출　</a:t>
+            </a:r>
+            <a:r>
+              <a:rPr lang="en-US" altLang="ko-KR" dirty="0">
+                <a:ea typeface="KoPub돋움체 Light" panose="02020603020101020101" pitchFamily="18" charset="-127"/>
+              </a:rPr>
+              <a:t>(- 0.5*7 = 3.5)</a:t>
+            </a:r>
+          </a:p>
+          <a:p>
+            <a:r>
+              <a:rPr lang="ko-KR" altLang="en-US" dirty="0">
+                <a:ea typeface="KoPub돋움체 Light" panose="02020603020101020101" pitchFamily="18" charset="-127"/>
+              </a:rPr>
+              <a:t>총합 </a:t>
+            </a:r>
+            <a:r>
+              <a:rPr lang="en-US" altLang="ko-KR" dirty="0">
+                <a:ea typeface="KoPub돋움체 Light" panose="02020603020101020101" pitchFamily="18" charset="-127"/>
+              </a:rPr>
+              <a:t>: 15 – 3.5 = 11.5 </a:t>
+            </a:r>
+            <a:r>
+              <a:rPr lang="ko-KR" altLang="en-US" dirty="0">
+                <a:ea typeface="KoPub돋움체 Light" panose="02020603020101020101" pitchFamily="18" charset="-127"/>
+              </a:rPr>
+              <a:t>점</a:t>
             </a:r>
             <a:endParaRPr lang="en-US" altLang="ko-KR" dirty="0">
               <a:ea typeface="KoPub돋움체 Light" panose="02020603020101020101" pitchFamily="18" charset="-127"/>
             </a:endParaRPr>
           </a:p>
           <a:p>
+            <a:endParaRPr lang="en-US" altLang="ko-KR" dirty="0">
+              <a:ea typeface="KoPub돋움체 Light" panose="02020603020101020101" pitchFamily="18" charset="-127"/>
+            </a:endParaRPr>
+          </a:p>
+          <a:p>
+            <a:r>
+              <a:rPr lang="ko-KR" altLang="en-US" b="1" dirty="0">
+                <a:ea typeface="KoPub돋움체 Light" panose="02020603020101020101" pitchFamily="18" charset="-127"/>
+              </a:rPr>
+              <a:t>명령　５０개，　옵션　모두　구현　：　</a:t>
+            </a:r>
+            <a:r>
+              <a:rPr lang="en-US" altLang="ko-KR" dirty="0">
+                <a:ea typeface="KoPub돋움체 Light" panose="02020603020101020101" pitchFamily="18" charset="-127"/>
+              </a:rPr>
+              <a:t>15</a:t>
+            </a:r>
             <a:r>
               <a:rPr lang="ko-KR" altLang="en-US" dirty="0">
                 <a:ea typeface="KoPub돋움체 Light" panose="02020603020101020101" pitchFamily="18" charset="-127"/>
               </a:rPr>
-              <a:t>０３０７／０３１４／０４１８／０５０２　＝＞　늦게　업로드</a:t>
+              <a:t>점</a:t>
             </a:r>
             <a:endParaRPr lang="en-US" altLang="ko-KR" dirty="0">
               <a:ea typeface="KoPub돋움체 Light" panose="02020603020101020101" pitchFamily="18" charset="-127"/>
             </a:endParaRPr>
           </a:p>
           <a:p>
+            <a:endParaRPr lang="en-US" altLang="ko-KR" dirty="0">
+              <a:ea typeface="KoPub돋움체 Light" panose="02020603020101020101" pitchFamily="18" charset="-127"/>
+            </a:endParaRPr>
+          </a:p>
+          <a:p>
+            <a:endParaRPr lang="en-US" altLang="ko-KR" dirty="0">
+              <a:ea typeface="KoPub돋움체 Light" panose="02020603020101020101" pitchFamily="18" charset="-127"/>
+            </a:endParaRPr>
+          </a:p>
+          <a:p>
             <a:r>
               <a:rPr lang="ko-KR" altLang="en-US" dirty="0">
                 <a:ea typeface="KoPub돋움체 Light" panose="02020603020101020101" pitchFamily="18" charset="-127"/>
               </a:rPr>
-              <a:t>０３２１／０３２８／０４１１　＝＞　</a:t>
-            </a:r>
-            <a:r>
-              <a:rPr lang="ko-KR" altLang="en-US" dirty="0" err="1">
+              <a:t>총합　：　</a:t>
+            </a:r>
+            <a:r>
+              <a:rPr lang="en-US" altLang="ko-KR" dirty="0">
                 <a:ea typeface="KoPub돋움체 Light" panose="02020603020101020101" pitchFamily="18" charset="-127"/>
               </a:rPr>
-              <a:t>리드미</a:t>
+              <a:t>26.5 </a:t>
             </a:r>
             <a:r>
               <a:rPr lang="ko-KR" altLang="en-US" dirty="0">
                 <a:ea typeface="KoPub돋움체 Light" panose="02020603020101020101" pitchFamily="18" charset="-127"/>
               </a:rPr>
-              <a:t>　늦게　업로드</a:t>
-            </a:r>
-            <a:endParaRPr lang="en-US" altLang="ko-KR" dirty="0">
-              <a:ea typeface="KoPub돋움체 Light" panose="02020603020101020101" pitchFamily="18" charset="-127"/>
-            </a:endParaRPr>
-          </a:p>
-          <a:p>
-            <a:r>
-              <a:rPr lang="ko-KR" altLang="en-US" dirty="0">
-                <a:ea typeface="KoPub돋움체 Light" panose="02020603020101020101" pitchFamily="18" charset="-127"/>
-              </a:rPr>
-              <a:t>０４０４／０５０９／０５１６／０５２３　＝＞　정상　업로드</a:t>
-            </a:r>
-            <a:endParaRPr lang="en-US" altLang="ko-KR" dirty="0">
-              <a:ea typeface="KoPub돋움체 Light" panose="02020603020101020101" pitchFamily="18" charset="-127"/>
-            </a:endParaRPr>
-          </a:p>
-          <a:p>
-            <a:r>
-              <a:rPr lang="ko-KR" altLang="en-US" dirty="0">
-                <a:ea typeface="KoPub돋움체 Light" panose="02020603020101020101" pitchFamily="18" charset="-127"/>
-              </a:rPr>
-              <a:t>０４２５　＝＞　중간고사</a:t>
-            </a:r>
-            <a:endParaRPr lang="en-US" altLang="ko-KR" dirty="0">
-              <a:ea typeface="KoPub돋움체 Light" panose="02020603020101020101" pitchFamily="18" charset="-127"/>
-            </a:endParaRPr>
-          </a:p>
-          <a:p>
-            <a:endParaRPr lang="en-US" altLang="ko-KR" dirty="0">
-              <a:ea typeface="KoPub돋움체 Light" panose="02020603020101020101" pitchFamily="18" charset="-127"/>
-            </a:endParaRPr>
-          </a:p>
-          <a:p>
-            <a:endParaRPr lang="en-US" altLang="ko-KR" dirty="0">
-              <a:ea typeface="KoPub돋움체 Light" panose="02020603020101020101" pitchFamily="18" charset="-127"/>
-            </a:endParaRPr>
-          </a:p>
-          <a:p>
-            <a:r>
-              <a:rPr lang="ko-KR" altLang="en-US" dirty="0">
-                <a:ea typeface="KoPub돋움체 Light" panose="02020603020101020101" pitchFamily="18" charset="-127"/>
-              </a:rPr>
-              <a:t>명령　５０개，　옵션　모두　구현　：　１５점</a:t>
-            </a:r>
-            <a:endParaRPr lang="en-US" altLang="ko-KR" dirty="0">
-              <a:ea typeface="KoPub돋움체 Light" panose="02020603020101020101" pitchFamily="18" charset="-127"/>
-            </a:endParaRPr>
-          </a:p>
-          <a:p>
-            <a:endParaRPr lang="en-US" altLang="ko-KR" dirty="0">
-              <a:ea typeface="KoPub돋움체 Light" panose="02020603020101020101" pitchFamily="18" charset="-127"/>
-            </a:endParaRPr>
-          </a:p>
-          <a:p>
-            <a:endParaRPr lang="en-US" altLang="ko-KR" dirty="0">
-              <a:ea typeface="KoPub돋움체 Light" panose="02020603020101020101" pitchFamily="18" charset="-127"/>
-            </a:endParaRPr>
-          </a:p>
-          <a:p>
-            <a:r>
-              <a:rPr lang="ko-KR" altLang="en-US" dirty="0">
-                <a:ea typeface="KoPub돋움체 Light" panose="02020603020101020101" pitchFamily="18" charset="-127"/>
-              </a:rPr>
-              <a:t>총합　：　점</a:t>
+              <a:t>점</a:t>
             </a:r>
             <a:endParaRPr lang="en-US" altLang="ko-KR" dirty="0">
               <a:ea typeface="KoPub돋움체 Light" panose="02020603020101020101" pitchFamily="18" charset="-127"/>

--- a/시스템프로그래밍＿2021563060정미주.pptx
+++ b/시스템프로그래밍＿2021563060정미주.pptx
@@ -3465,9 +3465,21 @@
             </a:r>
             <a:r>
               <a:rPr lang="en-US" altLang="ko-KR" dirty="0"/>
-              <a:t>: https://github.com/miju1234</a:t>
-            </a:r>
-            <a:endParaRPr lang="ko-KR" altLang="en-US" dirty="0"/>
+              <a:t>: </a:t>
+            </a:r>
+            <a:r>
+              <a:rPr lang="en-US" altLang="ko-KR" dirty="0">
+                <a:hlinkClick r:id="rId2"/>
+              </a:rPr>
+              <a:t>https://github.com</a:t>
+            </a:r>
+            <a:r>
+              <a:rPr lang="en-US" altLang="ko-KR">
+                <a:hlinkClick r:id="rId2"/>
+              </a:rPr>
+              <a:t>/miju1234</a:t>
+            </a:r>
+            <a:endParaRPr lang="en-US" altLang="ko-KR" dirty="0"/>
           </a:p>
         </p:txBody>
       </p:sp>
